--- a/Mission/FE Dev with React vetting.pptx
+++ b/Mission/FE Dev with React vetting.pptx
@@ -111,6 +111,11 @@
       </a:defRPr>
     </a:lvl9pPr>
   </p:defaultTextStyle>
+  <p:extLst>
+    <p:ext uri="{EFAFB233-063F-42B5-8137-9DF3F51BA10A}">
+      <p15:sldGuideLst xmlns:p15="http://schemas.microsoft.com/office/powerpoint/2012/main"/>
+    </p:ext>
+  </p:extLst>
 </p:presentation>
 </file>
 
@@ -263,7 +268,7 @@
           <a:p>
             <a:fld id="{74821F1B-6CE9-42B0-9B31-97A3F61FDD59}" type="datetimeFigureOut">
               <a:rPr lang="en-CA" smtClean="0"/>
-              <a:t>2023-11-07</a:t>
+              <a:t>2023-12-14</a:t>
             </a:fld>
             <a:endParaRPr lang="en-CA"/>
           </a:p>
@@ -463,7 +468,7 @@
           <a:p>
             <a:fld id="{74821F1B-6CE9-42B0-9B31-97A3F61FDD59}" type="datetimeFigureOut">
               <a:rPr lang="en-CA" smtClean="0"/>
-              <a:t>2023-11-07</a:t>
+              <a:t>2023-12-14</a:t>
             </a:fld>
             <a:endParaRPr lang="en-CA"/>
           </a:p>
@@ -673,7 +678,7 @@
           <a:p>
             <a:fld id="{74821F1B-6CE9-42B0-9B31-97A3F61FDD59}" type="datetimeFigureOut">
               <a:rPr lang="en-CA" smtClean="0"/>
-              <a:t>2023-11-07</a:t>
+              <a:t>2023-12-14</a:t>
             </a:fld>
             <a:endParaRPr lang="en-CA"/>
           </a:p>
@@ -873,7 +878,7 @@
           <a:p>
             <a:fld id="{74821F1B-6CE9-42B0-9B31-97A3F61FDD59}" type="datetimeFigureOut">
               <a:rPr lang="en-CA" smtClean="0"/>
-              <a:t>2023-11-07</a:t>
+              <a:t>2023-12-14</a:t>
             </a:fld>
             <a:endParaRPr lang="en-CA"/>
           </a:p>
@@ -1149,7 +1154,7 @@
           <a:p>
             <a:fld id="{74821F1B-6CE9-42B0-9B31-97A3F61FDD59}" type="datetimeFigureOut">
               <a:rPr lang="en-CA" smtClean="0"/>
-              <a:t>2023-11-07</a:t>
+              <a:t>2023-12-14</a:t>
             </a:fld>
             <a:endParaRPr lang="en-CA"/>
           </a:p>
@@ -1417,7 +1422,7 @@
           <a:p>
             <a:fld id="{74821F1B-6CE9-42B0-9B31-97A3F61FDD59}" type="datetimeFigureOut">
               <a:rPr lang="en-CA" smtClean="0"/>
-              <a:t>2023-11-07</a:t>
+              <a:t>2023-12-14</a:t>
             </a:fld>
             <a:endParaRPr lang="en-CA"/>
           </a:p>
@@ -1832,7 +1837,7 @@
           <a:p>
             <a:fld id="{74821F1B-6CE9-42B0-9B31-97A3F61FDD59}" type="datetimeFigureOut">
               <a:rPr lang="en-CA" smtClean="0"/>
-              <a:t>2023-11-07</a:t>
+              <a:t>2023-12-14</a:t>
             </a:fld>
             <a:endParaRPr lang="en-CA"/>
           </a:p>
@@ -1974,7 +1979,7 @@
           <a:p>
             <a:fld id="{74821F1B-6CE9-42B0-9B31-97A3F61FDD59}" type="datetimeFigureOut">
               <a:rPr lang="en-CA" smtClean="0"/>
-              <a:t>2023-11-07</a:t>
+              <a:t>2023-12-14</a:t>
             </a:fld>
             <a:endParaRPr lang="en-CA"/>
           </a:p>
@@ -2087,7 +2092,7 @@
           <a:p>
             <a:fld id="{74821F1B-6CE9-42B0-9B31-97A3F61FDD59}" type="datetimeFigureOut">
               <a:rPr lang="en-CA" smtClean="0"/>
-              <a:t>2023-11-07</a:t>
+              <a:t>2023-12-14</a:t>
             </a:fld>
             <a:endParaRPr lang="en-CA"/>
           </a:p>
@@ -2400,7 +2405,7 @@
           <a:p>
             <a:fld id="{74821F1B-6CE9-42B0-9B31-97A3F61FDD59}" type="datetimeFigureOut">
               <a:rPr lang="en-CA" smtClean="0"/>
-              <a:t>2023-11-07</a:t>
+              <a:t>2023-12-14</a:t>
             </a:fld>
             <a:endParaRPr lang="en-CA"/>
           </a:p>
@@ -2689,7 +2694,7 @@
           <a:p>
             <a:fld id="{74821F1B-6CE9-42B0-9B31-97A3F61FDD59}" type="datetimeFigureOut">
               <a:rPr lang="en-CA" smtClean="0"/>
-              <a:t>2023-11-07</a:t>
+              <a:t>2023-12-14</a:t>
             </a:fld>
             <a:endParaRPr lang="en-CA"/>
           </a:p>
@@ -2932,7 +2937,7 @@
           <a:p>
             <a:fld id="{74821F1B-6CE9-42B0-9B31-97A3F61FDD59}" type="datetimeFigureOut">
               <a:rPr lang="en-CA" smtClean="0"/>
-              <a:t>2023-11-07</a:t>
+              <a:t>2023-12-14</a:t>
             </a:fld>
             <a:endParaRPr lang="en-CA"/>
           </a:p>
@@ -3448,7 +3453,7 @@
         <p:spPr>
           <a:xfrm>
             <a:off x="1109133" y="922867"/>
-            <a:ext cx="10481734" cy="3970318"/>
+            <a:ext cx="10481734" cy="5262979"/>
           </a:xfrm>
           <a:prstGeom prst="rect">
             <a:avLst/>
@@ -3462,136 +3467,293 @@
           <a:lstStyle/>
           <a:p>
             <a:r>
-              <a:rPr lang="en-US" sz="1200" b="0" i="0" dirty="0">
+              <a:rPr lang="en-US" sz="1400" b="0" i="0" dirty="0">
                 <a:solidFill>
                   <a:srgbClr val="76828B"/>
                 </a:solidFill>
                 <a:effectLst/>
-                <a:latin typeface="Roboto"/>
+                <a:latin typeface="Arial" panose="020B0604020202020204" pitchFamily="34" charset="0"/>
+                <a:cs typeface="Arial" panose="020B0604020202020204" pitchFamily="34" charset="0"/>
               </a:rPr>
-              <a:t>Git conflict ---- merge An event when Git is unable to resolve differences in code between the two commits automatically</a:t>
-            </a:r>
-            <a:r>
-              <a:rPr lang="en-US" b="0" i="0" dirty="0">
+              <a:t>Git conflict ---- merge </a:t>
+            </a:r>
+          </a:p>
+          <a:p>
+            <a:r>
+              <a:rPr lang="en-US" sz="1400" dirty="0">
+                <a:solidFill>
+                  <a:srgbClr val="76828B"/>
+                </a:solidFill>
+                <a:latin typeface="Arial" panose="020B0604020202020204" pitchFamily="34" charset="0"/>
+                <a:cs typeface="Arial" panose="020B0604020202020204" pitchFamily="34" charset="0"/>
+              </a:rPr>
+              <a:t>ANSWER : </a:t>
+            </a:r>
+            <a:r>
+              <a:rPr lang="en-US" sz="1400" b="0" i="0" dirty="0">
                 <a:solidFill>
                   <a:srgbClr val="76828B"/>
                 </a:solidFill>
                 <a:effectLst/>
-                <a:latin typeface="Roboto"/>
+                <a:latin typeface="Arial" panose="020B0604020202020204" pitchFamily="34" charset="0"/>
+                <a:cs typeface="Arial" panose="020B0604020202020204" pitchFamily="34" charset="0"/>
+              </a:rPr>
+              <a:t>An event when Git is unable to resolve differences in </a:t>
+            </a:r>
+            <a:r>
+              <a:rPr lang="en-US" sz="1400" b="0" i="0" dirty="0">
+                <a:solidFill>
+                  <a:srgbClr val="76828B"/>
+                </a:solidFill>
+                <a:effectLst/>
+                <a:highlight>
+                  <a:srgbClr val="FFFF00"/>
+                </a:highlight>
+                <a:latin typeface="Arial" panose="020B0604020202020204" pitchFamily="34" charset="0"/>
+                <a:cs typeface="Arial" panose="020B0604020202020204" pitchFamily="34" charset="0"/>
+              </a:rPr>
+              <a:t>code between the two commits automatically</a:t>
+            </a:r>
+            <a:r>
+              <a:rPr lang="en-US" sz="2000" b="0" i="0" dirty="0">
+                <a:solidFill>
+                  <a:srgbClr val="76828B"/>
+                </a:solidFill>
+                <a:effectLst/>
+                <a:latin typeface="Arial" panose="020B0604020202020204" pitchFamily="34" charset="0"/>
+                <a:cs typeface="Arial" panose="020B0604020202020204" pitchFamily="34" charset="0"/>
               </a:rPr>
               <a:t>.</a:t>
             </a:r>
           </a:p>
           <a:p>
-            <a:endParaRPr lang="en-US" dirty="0">
+            <a:endParaRPr lang="en-US" sz="1400" dirty="0">
               <a:solidFill>
                 <a:srgbClr val="76828B"/>
               </a:solidFill>
-              <a:latin typeface="Roboto"/>
+              <a:latin typeface="Arial" panose="020B0604020202020204" pitchFamily="34" charset="0"/>
+              <a:cs typeface="Arial" panose="020B0604020202020204" pitchFamily="34" charset="0"/>
             </a:endParaRPr>
           </a:p>
           <a:p>
             <a:r>
-              <a:rPr lang="en-US" dirty="0">
+              <a:rPr lang="en-US" sz="2000" dirty="0">
                 <a:solidFill>
                   <a:srgbClr val="76828B"/>
                 </a:solidFill>
-                <a:latin typeface="Roboto"/>
+                <a:latin typeface="Arial" panose="020B0604020202020204" pitchFamily="34" charset="0"/>
+                <a:cs typeface="Arial" panose="020B0604020202020204" pitchFamily="34" charset="0"/>
               </a:rPr>
-              <a:t>git stash is</a:t>
-            </a:r>
-          </a:p>
-          <a:p>
-            <a:endParaRPr lang="en-US" b="0" i="0" dirty="0">
+              <a:t>git stash is </a:t>
+            </a:r>
+          </a:p>
+          <a:p>
+            <a:r>
+              <a:rPr lang="en-US" sz="2000" dirty="0">
+                <a:solidFill>
+                  <a:srgbClr val="76828B"/>
+                </a:solidFill>
+                <a:latin typeface="Arial" panose="020B0604020202020204" pitchFamily="34" charset="0"/>
+                <a:cs typeface="Arial" panose="020B0604020202020204" pitchFamily="34" charset="0"/>
+              </a:rPr>
+              <a:t>ANSWER: takes your </a:t>
+            </a:r>
+            <a:r>
+              <a:rPr lang="en-US" sz="2000" dirty="0" err="1">
+                <a:solidFill>
+                  <a:srgbClr val="76828B"/>
+                </a:solidFill>
+                <a:latin typeface="Arial" panose="020B0604020202020204" pitchFamily="34" charset="0"/>
+                <a:cs typeface="Arial" panose="020B0604020202020204" pitchFamily="34" charset="0"/>
+              </a:rPr>
+              <a:t>modiliels</a:t>
+            </a:r>
+            <a:r>
+              <a:rPr lang="en-US" sz="2000" dirty="0">
+                <a:solidFill>
+                  <a:srgbClr val="76828B"/>
+                </a:solidFill>
+                <a:latin typeface="Arial" panose="020B0604020202020204" pitchFamily="34" charset="0"/>
+                <a:cs typeface="Arial" panose="020B0604020202020204" pitchFamily="34" charset="0"/>
+              </a:rPr>
+              <a:t> and save on stack of </a:t>
+            </a:r>
+            <a:r>
+              <a:rPr lang="en-US" sz="2000" dirty="0" err="1">
+                <a:solidFill>
+                  <a:srgbClr val="76828B"/>
+                </a:solidFill>
+                <a:latin typeface="Arial" panose="020B0604020202020204" pitchFamily="34" charset="0"/>
+                <a:cs typeface="Arial" panose="020B0604020202020204" pitchFamily="34" charset="0"/>
+              </a:rPr>
+              <a:t>infinished</a:t>
+            </a:r>
+            <a:r>
+              <a:rPr lang="en-US" sz="2000" dirty="0">
+                <a:solidFill>
+                  <a:srgbClr val="76828B"/>
+                </a:solidFill>
+                <a:latin typeface="Arial" panose="020B0604020202020204" pitchFamily="34" charset="0"/>
+                <a:cs typeface="Arial" panose="020B0604020202020204" pitchFamily="34" charset="0"/>
+              </a:rPr>
+              <a:t> changes </a:t>
+            </a:r>
+            <a:r>
+              <a:rPr lang="en-US" sz="2000" dirty="0">
+                <a:solidFill>
+                  <a:srgbClr val="76828B"/>
+                </a:solidFill>
+                <a:highlight>
+                  <a:srgbClr val="FFFF00"/>
+                </a:highlight>
+                <a:latin typeface="Arial" panose="020B0604020202020204" pitchFamily="34" charset="0"/>
+                <a:cs typeface="Arial" panose="020B0604020202020204" pitchFamily="34" charset="0"/>
+              </a:rPr>
+              <a:t>to reapply at any time</a:t>
+            </a:r>
+            <a:r>
+              <a:rPr lang="en-US" sz="2000" dirty="0">
+                <a:solidFill>
+                  <a:srgbClr val="76828B"/>
+                </a:solidFill>
+                <a:latin typeface="Arial" panose="020B0604020202020204" pitchFamily="34" charset="0"/>
+                <a:cs typeface="Arial" panose="020B0604020202020204" pitchFamily="34" charset="0"/>
+              </a:rPr>
+              <a:t>.</a:t>
+            </a:r>
+          </a:p>
+          <a:p>
+            <a:endParaRPr lang="en-US" sz="2000" b="0" i="0" dirty="0">
               <a:solidFill>
                 <a:srgbClr val="9CDCFE"/>
               </a:solidFill>
               <a:effectLst/>
-              <a:latin typeface="Courier New" panose="02070309020205020404" pitchFamily="49" charset="0"/>
+              <a:latin typeface="Arial" panose="020B0604020202020204" pitchFamily="34" charset="0"/>
+              <a:cs typeface="Arial" panose="020B0604020202020204" pitchFamily="34" charset="0"/>
             </a:endParaRPr>
           </a:p>
           <a:p>
             <a:r>
-              <a:rPr lang="en-US" b="0" i="0" dirty="0">
+              <a:rPr lang="en-US" sz="2000" b="0" i="0" dirty="0">
                 <a:solidFill>
                   <a:srgbClr val="9CDCFE"/>
                 </a:solidFill>
                 <a:effectLst/>
-                <a:latin typeface="Courier New" panose="02070309020205020404" pitchFamily="49" charset="0"/>
+                <a:latin typeface="Arial" panose="020B0604020202020204" pitchFamily="34" charset="0"/>
+                <a:cs typeface="Arial" panose="020B0604020202020204" pitchFamily="34" charset="0"/>
               </a:rPr>
               <a:t>git</a:t>
             </a:r>
             <a:r>
-              <a:rPr lang="en-US" b="0" i="0" dirty="0">
+              <a:rPr lang="en-US" sz="2000" b="0" i="0" dirty="0">
                 <a:solidFill>
                   <a:srgbClr val="DCDCDC"/>
                 </a:solidFill>
                 <a:effectLst/>
-                <a:latin typeface="Courier New" panose="02070309020205020404" pitchFamily="49" charset="0"/>
+                <a:latin typeface="Arial" panose="020B0604020202020204" pitchFamily="34" charset="0"/>
+                <a:cs typeface="Arial" panose="020B0604020202020204" pitchFamily="34" charset="0"/>
               </a:rPr>
               <a:t> diff-tree –r {</a:t>
             </a:r>
             <a:r>
-              <a:rPr lang="en-US" b="0" i="0" dirty="0">
+              <a:rPr lang="en-US" sz="2000" b="0" i="0" dirty="0">
                 <a:solidFill>
                   <a:srgbClr val="9CDCFE"/>
                 </a:solidFill>
                 <a:effectLst/>
-                <a:latin typeface="Courier New" panose="02070309020205020404" pitchFamily="49" charset="0"/>
+                <a:latin typeface="Arial" panose="020B0604020202020204" pitchFamily="34" charset="0"/>
+                <a:cs typeface="Arial" panose="020B0604020202020204" pitchFamily="34" charset="0"/>
               </a:rPr>
               <a:t>commit</a:t>
             </a:r>
             <a:r>
-              <a:rPr lang="en-US" b="0" i="0" dirty="0">
+              <a:rPr lang="en-US" sz="2000" b="0" i="0" dirty="0">
                 <a:solidFill>
                   <a:srgbClr val="DCDCDC"/>
                 </a:solidFill>
                 <a:effectLst/>
-                <a:latin typeface="Courier New" panose="02070309020205020404" pitchFamily="49" charset="0"/>
+                <a:latin typeface="Arial" panose="020B0604020202020204" pitchFamily="34" charset="0"/>
+                <a:cs typeface="Arial" panose="020B0604020202020204" pitchFamily="34" charset="0"/>
               </a:rPr>
               <a:t> hash}</a:t>
             </a:r>
-            <a:endParaRPr lang="en-US" dirty="0">
+          </a:p>
+          <a:p>
+            <a:r>
+              <a:rPr lang="en-US" sz="2000" dirty="0">
+                <a:solidFill>
+                  <a:srgbClr val="DCDCDC"/>
+                </a:solidFill>
+                <a:latin typeface="Arial" panose="020B0604020202020204" pitchFamily="34" charset="0"/>
+                <a:cs typeface="Arial" panose="020B0604020202020204" pitchFamily="34" charset="0"/>
+              </a:rPr>
+              <a:t>ANSWER: GET a list of </a:t>
+            </a:r>
+            <a:r>
+              <a:rPr lang="en-US" sz="2000" dirty="0">
+                <a:solidFill>
+                  <a:srgbClr val="DCDCDC"/>
+                </a:solidFill>
+                <a:highlight>
+                  <a:srgbClr val="FFFF00"/>
+                </a:highlight>
+                <a:latin typeface="Arial" panose="020B0604020202020204" pitchFamily="34" charset="0"/>
+                <a:cs typeface="Arial" panose="020B0604020202020204" pitchFamily="34" charset="0"/>
+              </a:rPr>
+              <a:t>file from particular commit</a:t>
+            </a:r>
+            <a:endParaRPr lang="en-US" sz="2000" dirty="0">
               <a:solidFill>
                 <a:srgbClr val="76828B"/>
               </a:solidFill>
-              <a:latin typeface="Roboto"/>
+              <a:highlight>
+                <a:srgbClr val="FFFF00"/>
+              </a:highlight>
+              <a:latin typeface="Arial" panose="020B0604020202020204" pitchFamily="34" charset="0"/>
+              <a:cs typeface="Arial" panose="020B0604020202020204" pitchFamily="34" charset="0"/>
             </a:endParaRPr>
           </a:p>
           <a:p>
-            <a:endParaRPr lang="en-US" b="0" i="0" dirty="0">
+            <a:endParaRPr lang="en-US" sz="2000" b="0" i="0" dirty="0">
               <a:solidFill>
                 <a:srgbClr val="202124"/>
               </a:solidFill>
               <a:effectLst/>
-              <a:latin typeface="Google Sans"/>
+              <a:latin typeface="Arial" panose="020B0604020202020204" pitchFamily="34" charset="0"/>
+              <a:cs typeface="Arial" panose="020B0604020202020204" pitchFamily="34" charset="0"/>
             </a:endParaRPr>
           </a:p>
           <a:p>
             <a:r>
-              <a:rPr lang="en-US" b="0" i="0" dirty="0">
+              <a:rPr lang="en-US" sz="2000" b="0" i="0" dirty="0">
                 <a:solidFill>
                   <a:srgbClr val="202124"/>
                 </a:solidFill>
                 <a:effectLst/>
-                <a:latin typeface="Google Sans"/>
+                <a:latin typeface="Arial" panose="020B0604020202020204" pitchFamily="34" charset="0"/>
+                <a:cs typeface="Arial" panose="020B0604020202020204" pitchFamily="34" charset="0"/>
               </a:rPr>
               <a:t>REBASE : re-writes the project history by creating brand new commits </a:t>
             </a:r>
-            <a:endParaRPr lang="en-US" dirty="0">
+            <a:endParaRPr lang="en-US" sz="2000" dirty="0">
               <a:solidFill>
                 <a:srgbClr val="76828B"/>
               </a:solidFill>
-              <a:latin typeface="Roboto"/>
+              <a:latin typeface="Arial" panose="020B0604020202020204" pitchFamily="34" charset="0"/>
+              <a:cs typeface="Arial" panose="020B0604020202020204" pitchFamily="34" charset="0"/>
             </a:endParaRPr>
           </a:p>
           <a:p>
-            <a:endParaRPr lang="en-US" dirty="0">
-              <a:solidFill>
-                <a:srgbClr val="76828B"/>
-              </a:solidFill>
-              <a:latin typeface="Roboto"/>
-            </a:endParaRPr>
+            <a:r>
+              <a:rPr lang="en-US" sz="2000" dirty="0">
+                <a:solidFill>
+                  <a:srgbClr val="76828B"/>
+                </a:solidFill>
+                <a:latin typeface="Arial" panose="020B0604020202020204" pitchFamily="34" charset="0"/>
+                <a:cs typeface="Arial" panose="020B0604020202020204" pitchFamily="34" charset="0"/>
+              </a:rPr>
+              <a:t>ANSWER : GIT REBASE</a:t>
+            </a:r>
           </a:p>
           <a:p>
             <a:endParaRPr lang="en-US" dirty="0">
@@ -3862,8 +4024,8 @@
         </p:nvSpPr>
         <p:spPr>
           <a:xfrm>
-            <a:off x="1032934" y="179530"/>
-            <a:ext cx="6096000" cy="9402574"/>
+            <a:off x="618067" y="475863"/>
+            <a:ext cx="4140200" cy="5509200"/>
           </a:xfrm>
           <a:prstGeom prst="rect">
             <a:avLst/>
@@ -4230,6 +4392,38 @@
             <a:endParaRPr lang="en-CA" sz="1100" dirty="0"/>
           </a:p>
           <a:p>
+            <a:endParaRPr lang="en-CA" sz="1100" dirty="0"/>
+          </a:p>
+        </p:txBody>
+      </p:sp>
+      <p:sp>
+        <p:nvSpPr>
+          <p:cNvPr id="4" name="TextBox 3">
+            <a:extLst>
+              <a:ext uri="{FF2B5EF4-FFF2-40B4-BE49-F238E27FC236}">
+                <a16:creationId xmlns:a16="http://schemas.microsoft.com/office/drawing/2014/main" id="{2CC3713D-4CAD-46E9-B9E7-A2FD56B4E029}"/>
+              </a:ext>
+            </a:extLst>
+          </p:cNvPr>
+          <p:cNvSpPr txBox="1"/>
+          <p:nvPr/>
+        </p:nvSpPr>
+        <p:spPr>
+          <a:xfrm>
+            <a:off x="6536267" y="558800"/>
+            <a:ext cx="4622800" cy="4324261"/>
+          </a:xfrm>
+          <a:prstGeom prst="rect">
+            <a:avLst/>
+          </a:prstGeom>
+          <a:noFill/>
+        </p:spPr>
+        <p:txBody>
+          <a:bodyPr wrap="square">
+            <a:spAutoFit/>
+          </a:bodyPr>
+          <a:lstStyle/>
+          <a:p>
             <a:r>
               <a:rPr lang="en-CA" sz="1100" dirty="0"/>
               <a:t>function </a:t>
@@ -4534,6 +4728,45 @@
           </a:p>
         </p:txBody>
       </p:sp>
+      <p:cxnSp>
+        <p:nvCxnSpPr>
+          <p:cNvPr id="6" name="Straight Arrow Connector 5">
+            <a:extLst>
+              <a:ext uri="{FF2B5EF4-FFF2-40B4-BE49-F238E27FC236}">
+                <a16:creationId xmlns:a16="http://schemas.microsoft.com/office/drawing/2014/main" id="{D846B6FD-9180-4266-8C33-3A3BF76178F9}"/>
+              </a:ext>
+            </a:extLst>
+          </p:cNvPr>
+          <p:cNvCxnSpPr/>
+          <p:nvPr/>
+        </p:nvCxnSpPr>
+        <p:spPr>
+          <a:xfrm flipH="1">
+            <a:off x="3064933" y="660400"/>
+            <a:ext cx="3471334" cy="1888067"/>
+          </a:xfrm>
+          <a:prstGeom prst="straightConnector1">
+            <a:avLst/>
+          </a:prstGeom>
+          <a:ln>
+            <a:tailEnd type="triangle"/>
+          </a:ln>
+        </p:spPr>
+        <p:style>
+          <a:lnRef idx="1">
+            <a:schemeClr val="accent1"/>
+          </a:lnRef>
+          <a:fillRef idx="0">
+            <a:schemeClr val="accent1"/>
+          </a:fillRef>
+          <a:effectRef idx="0">
+            <a:schemeClr val="accent1"/>
+          </a:effectRef>
+          <a:fontRef idx="minor">
+            <a:schemeClr val="tx1"/>
+          </a:fontRef>
+        </p:style>
+      </p:cxnSp>
     </p:spTree>
     <p:extLst>
       <p:ext uri="{BB962C8B-B14F-4D97-AF65-F5344CB8AC3E}">
